--- a/Entwurf/Entwurf Abschlusspräsentation.pptx
+++ b/Entwurf/Entwurf Abschlusspräsentation.pptx
@@ -34,6 +34,7 @@
     <p:sldId id="281" r:id="rId29"/>
     <p:sldId id="282" r:id="rId30"/>
     <p:sldId id="283" r:id="rId31"/>
+    <p:sldId id="284" r:id="rId32"/>
   </p:sldIdLst>
   <p:sldSz cx="10080625" cy="7559675"/>
   <p:notesSz cx="7559675" cy="10691812"/>
@@ -4078,7 +4079,7 @@
         <p:spPr>
           <a:xfrm>
             <a:off x="500040" y="5532840"/>
-            <a:ext cx="9075600" cy="1139040"/>
+            <a:ext cx="9075240" cy="1138680"/>
           </a:xfrm>
           <a:prstGeom prst="rect">
             <a:avLst/>
@@ -4190,7 +4191,7 @@
         <p:spPr>
           <a:xfrm>
             <a:off x="2942640" y="890280"/>
-            <a:ext cx="4190400" cy="4188960"/>
+            <a:ext cx="4190040" cy="4188600"/>
           </a:xfrm>
           <a:prstGeom prst="rect">
             <a:avLst/>
@@ -4258,7 +4259,7 @@
         <p:spPr>
           <a:xfrm>
             <a:off x="503640" y="301320"/>
-            <a:ext cx="9069120" cy="1260000"/>
+            <a:ext cx="9068760" cy="1259640"/>
           </a:xfrm>
           <a:prstGeom prst="rect">
             <a:avLst/>
@@ -4320,7 +4321,7 @@
         <p:spPr>
           <a:xfrm>
             <a:off x="503640" y="1768680"/>
-            <a:ext cx="9069120" cy="4382280"/>
+            <a:ext cx="9068760" cy="4381920"/>
           </a:xfrm>
           <a:prstGeom prst="rect">
             <a:avLst/>
@@ -4341,7 +4342,7 @@
             <a:normAutofit/>
           </a:bodyPr>
           <a:p>
-            <a:pPr marL="432000" indent="-321840">
+            <a:pPr marL="432000" indent="-321480">
               <a:lnSpc>
                 <a:spcPct val="100000"/>
               </a:lnSpc>
@@ -4383,7 +4384,7 @@
             </a:endParaRPr>
           </a:p>
           <a:p>
-            <a:pPr marL="432000" indent="-321840">
+            <a:pPr marL="432000" indent="-321480">
               <a:lnSpc>
                 <a:spcPct val="100000"/>
               </a:lnSpc>
@@ -4425,7 +4426,7 @@
             </a:endParaRPr>
           </a:p>
           <a:p>
-            <a:pPr marL="432000" indent="-321840">
+            <a:pPr marL="432000" indent="-321480">
               <a:lnSpc>
                 <a:spcPct val="100000"/>
               </a:lnSpc>
@@ -4526,7 +4527,7 @@
         <p:spPr>
           <a:xfrm>
             <a:off x="503640" y="301320"/>
-            <a:ext cx="9069120" cy="1260000"/>
+            <a:ext cx="9068760" cy="1259640"/>
           </a:xfrm>
           <a:prstGeom prst="rect">
             <a:avLst/>
@@ -4592,7 +4593,7 @@
         <p:spPr>
           <a:xfrm>
             <a:off x="72000" y="1512000"/>
-            <a:ext cx="9933840" cy="5297040"/>
+            <a:ext cx="9933480" cy="5296680"/>
           </a:xfrm>
           <a:prstGeom prst="rect">
             <a:avLst/>
@@ -4660,7 +4661,7 @@
         <p:spPr>
           <a:xfrm>
             <a:off x="503640" y="301320"/>
-            <a:ext cx="9069120" cy="1260000"/>
+            <a:ext cx="9068760" cy="1259640"/>
           </a:xfrm>
           <a:prstGeom prst="rect">
             <a:avLst/>
@@ -4722,7 +4723,7 @@
         <p:spPr>
           <a:xfrm>
             <a:off x="360000" y="1768680"/>
-            <a:ext cx="9429840" cy="4565160"/>
+            <a:ext cx="9429480" cy="4564800"/>
           </a:xfrm>
           <a:prstGeom prst="rect">
             <a:avLst/>
@@ -4743,7 +4744,7 @@
             <a:normAutofit/>
           </a:bodyPr>
           <a:p>
-            <a:pPr marL="432000" indent="-321840">
+            <a:pPr marL="432000" indent="-321480">
               <a:lnSpc>
                 <a:spcPct val="100000"/>
               </a:lnSpc>
@@ -4785,7 +4786,7 @@
             </a:endParaRPr>
           </a:p>
           <a:p>
-            <a:pPr marL="432000" indent="-321840">
+            <a:pPr marL="432000" indent="-321480">
               <a:lnSpc>
                 <a:spcPct val="100000"/>
               </a:lnSpc>
@@ -4827,7 +4828,7 @@
             </a:endParaRPr>
           </a:p>
           <a:p>
-            <a:pPr marL="432000" indent="-321840">
+            <a:pPr marL="432000" indent="-321480">
               <a:lnSpc>
                 <a:spcPct val="100000"/>
               </a:lnSpc>
@@ -4869,7 +4870,7 @@
             </a:endParaRPr>
           </a:p>
           <a:p>
-            <a:pPr marL="432000" indent="-321840">
+            <a:pPr marL="432000" indent="-321480">
               <a:lnSpc>
                 <a:spcPct val="100000"/>
               </a:lnSpc>
@@ -4970,7 +4971,7 @@
         <p:spPr>
           <a:xfrm>
             <a:off x="503640" y="301320"/>
-            <a:ext cx="9069120" cy="1260000"/>
+            <a:ext cx="9068760" cy="1259640"/>
           </a:xfrm>
           <a:prstGeom prst="rect">
             <a:avLst/>
@@ -5036,7 +5037,7 @@
         <p:spPr>
           <a:xfrm>
             <a:off x="648000" y="1802160"/>
-            <a:ext cx="8549640" cy="4387680"/>
+            <a:ext cx="8549280" cy="4387320"/>
           </a:xfrm>
           <a:prstGeom prst="rect">
             <a:avLst/>
@@ -5108,7 +5109,7 @@
         <p:spPr>
           <a:xfrm>
             <a:off x="360" y="77400"/>
-            <a:ext cx="10079280" cy="7409520"/>
+            <a:ext cx="10078920" cy="7409160"/>
           </a:xfrm>
           <a:prstGeom prst="rect">
             <a:avLst/>
@@ -5176,7 +5177,7 @@
         <p:spPr>
           <a:xfrm>
             <a:off x="503640" y="301320"/>
-            <a:ext cx="9069120" cy="1260000"/>
+            <a:ext cx="9068760" cy="1259640"/>
           </a:xfrm>
           <a:prstGeom prst="rect">
             <a:avLst/>
@@ -5238,7 +5239,7 @@
         <p:spPr>
           <a:xfrm>
             <a:off x="5040000" y="1728000"/>
-            <a:ext cx="4532760" cy="4605840"/>
+            <a:ext cx="4532400" cy="4605480"/>
           </a:xfrm>
           <a:prstGeom prst="rect">
             <a:avLst/>
@@ -5259,7 +5260,7 @@
             <a:normAutofit/>
           </a:bodyPr>
           <a:p>
-            <a:pPr marL="432000" indent="-321840">
+            <a:pPr marL="432000" indent="-321480">
               <a:lnSpc>
                 <a:spcPct val="100000"/>
               </a:lnSpc>
@@ -5301,7 +5302,7 @@
             </a:endParaRPr>
           </a:p>
           <a:p>
-            <a:pPr marL="432000" indent="-321840">
+            <a:pPr marL="432000" indent="-321480">
               <a:lnSpc>
                 <a:spcPct val="100000"/>
               </a:lnSpc>
@@ -5343,7 +5344,7 @@
             </a:endParaRPr>
           </a:p>
           <a:p>
-            <a:pPr marL="432000" indent="-321840">
+            <a:pPr marL="432000" indent="-321480">
               <a:lnSpc>
                 <a:spcPct val="100000"/>
               </a:lnSpc>
@@ -5399,7 +5400,7 @@
         <p:spPr>
           <a:xfrm>
             <a:off x="28440" y="1491480"/>
-            <a:ext cx="4937400" cy="5058360"/>
+            <a:ext cx="4937040" cy="5058000"/>
           </a:xfrm>
           <a:prstGeom prst="rect">
             <a:avLst/>
@@ -5467,7 +5468,7 @@
         <p:spPr>
           <a:xfrm>
             <a:off x="503640" y="301320"/>
-            <a:ext cx="9069120" cy="1260000"/>
+            <a:ext cx="9068760" cy="1259640"/>
           </a:xfrm>
           <a:prstGeom prst="rect">
             <a:avLst/>
@@ -5533,7 +5534,7 @@
         <p:spPr>
           <a:xfrm>
             <a:off x="360" y="1563480"/>
-            <a:ext cx="10077480" cy="4986360"/>
+            <a:ext cx="10077120" cy="4986000"/>
           </a:xfrm>
           <a:prstGeom prst="rect">
             <a:avLst/>
@@ -5601,7 +5602,7 @@
         <p:spPr>
           <a:xfrm>
             <a:off x="503640" y="301320"/>
-            <a:ext cx="9069120" cy="1260000"/>
+            <a:ext cx="9068760" cy="1259640"/>
           </a:xfrm>
           <a:prstGeom prst="rect">
             <a:avLst/>
@@ -5663,7 +5664,7 @@
         <p:spPr>
           <a:xfrm>
             <a:off x="503640" y="1768680"/>
-            <a:ext cx="9069120" cy="4382280"/>
+            <a:ext cx="9068760" cy="4381920"/>
           </a:xfrm>
           <a:prstGeom prst="rect">
             <a:avLst/>
@@ -5684,7 +5685,7 @@
             <a:normAutofit/>
           </a:bodyPr>
           <a:p>
-            <a:pPr marL="432000" indent="-321840">
+            <a:pPr marL="432000" indent="-321480">
               <a:lnSpc>
                 <a:spcPct val="100000"/>
               </a:lnSpc>
@@ -5726,7 +5727,7 @@
             </a:endParaRPr>
           </a:p>
           <a:p>
-            <a:pPr marL="432000" indent="-321840">
+            <a:pPr marL="432000" indent="-321480">
               <a:lnSpc>
                 <a:spcPct val="100000"/>
               </a:lnSpc>
@@ -5768,7 +5769,7 @@
             </a:endParaRPr>
           </a:p>
           <a:p>
-            <a:pPr marL="432000" indent="-321840">
+            <a:pPr marL="432000" indent="-321480">
               <a:lnSpc>
                 <a:spcPct val="100000"/>
               </a:lnSpc>
@@ -5890,7 +5891,7 @@
         <p:spPr>
           <a:xfrm>
             <a:off x="503640" y="301320"/>
-            <a:ext cx="9069120" cy="1260000"/>
+            <a:ext cx="9068760" cy="1259640"/>
           </a:xfrm>
           <a:prstGeom prst="rect">
             <a:avLst/>
@@ -6001,7 +6002,7 @@
         <p:spPr>
           <a:xfrm>
             <a:off x="503640" y="301320"/>
-            <a:ext cx="9069120" cy="1260000"/>
+            <a:ext cx="9068760" cy="1259640"/>
           </a:xfrm>
           <a:prstGeom prst="rect">
             <a:avLst/>
@@ -6063,7 +6064,7 @@
         <p:spPr>
           <a:xfrm>
             <a:off x="503640" y="1768680"/>
-            <a:ext cx="9069120" cy="4382280"/>
+            <a:ext cx="9068760" cy="4381920"/>
           </a:xfrm>
           <a:prstGeom prst="rect">
             <a:avLst/>
@@ -6084,7 +6085,7 @@
             <a:normAutofit/>
           </a:bodyPr>
           <a:p>
-            <a:pPr marL="432000" indent="-321840">
+            <a:pPr marL="432000" indent="-321480">
               <a:lnSpc>
                 <a:spcPct val="100000"/>
               </a:lnSpc>
@@ -6126,7 +6127,7 @@
             </a:endParaRPr>
           </a:p>
           <a:p>
-            <a:pPr marL="432000" indent="-321840">
+            <a:pPr marL="432000" indent="-321480">
               <a:lnSpc>
                 <a:spcPct val="100000"/>
               </a:lnSpc>
@@ -6168,7 +6169,7 @@
             </a:endParaRPr>
           </a:p>
           <a:p>
-            <a:pPr marL="432000" indent="-321840">
+            <a:pPr marL="432000" indent="-321480">
               <a:lnSpc>
                 <a:spcPct val="100000"/>
               </a:lnSpc>
@@ -6224,7 +6225,7 @@
         <p:spPr>
           <a:xfrm>
             <a:off x="516240" y="3674160"/>
-            <a:ext cx="8913600" cy="3165840"/>
+            <a:ext cx="8913240" cy="3165480"/>
           </a:xfrm>
           <a:prstGeom prst="rect">
             <a:avLst/>
@@ -6292,7 +6293,7 @@
         <p:spPr>
           <a:xfrm>
             <a:off x="503640" y="301320"/>
-            <a:ext cx="9069120" cy="1260000"/>
+            <a:ext cx="9068760" cy="1259640"/>
           </a:xfrm>
           <a:prstGeom prst="rect">
             <a:avLst/>
@@ -6354,7 +6355,7 @@
         <p:spPr>
           <a:xfrm>
             <a:off x="503640" y="1768680"/>
-            <a:ext cx="9069120" cy="4382280"/>
+            <a:ext cx="9068760" cy="4381920"/>
           </a:xfrm>
           <a:prstGeom prst="rect">
             <a:avLst/>
@@ -6375,7 +6376,7 @@
             <a:normAutofit/>
           </a:bodyPr>
           <a:p>
-            <a:pPr marL="432000" indent="-321840">
+            <a:pPr marL="432000" indent="-321480">
               <a:lnSpc>
                 <a:spcPct val="100000"/>
               </a:lnSpc>
@@ -6417,7 +6418,7 @@
             </a:endParaRPr>
           </a:p>
           <a:p>
-            <a:pPr marL="432000" indent="-321840">
+            <a:pPr marL="432000" indent="-321480">
               <a:lnSpc>
                 <a:spcPct val="100000"/>
               </a:lnSpc>
@@ -6459,7 +6460,7 @@
             </a:endParaRPr>
           </a:p>
           <a:p>
-            <a:pPr marL="432000" indent="-321840">
+            <a:pPr marL="432000" indent="-321480">
               <a:lnSpc>
                 <a:spcPct val="100000"/>
               </a:lnSpc>
@@ -6501,7 +6502,7 @@
             </a:endParaRPr>
           </a:p>
           <a:p>
-            <a:pPr lvl="1" marL="864000" indent="-321840">
+            <a:pPr lvl="1" marL="864000" indent="-321480">
               <a:lnSpc>
                 <a:spcPct val="100000"/>
               </a:lnSpc>
@@ -6543,7 +6544,7 @@
             </a:endParaRPr>
           </a:p>
           <a:p>
-            <a:pPr lvl="1" marL="864000" indent="-321840">
+            <a:pPr lvl="1" marL="864000" indent="-321480">
               <a:lnSpc>
                 <a:spcPct val="100000"/>
               </a:lnSpc>
@@ -6585,7 +6586,7 @@
             </a:endParaRPr>
           </a:p>
           <a:p>
-            <a:pPr marL="432000" indent="-321840">
+            <a:pPr marL="432000" indent="-321480">
               <a:lnSpc>
                 <a:spcPct val="100000"/>
               </a:lnSpc>
@@ -6627,7 +6628,7 @@
             </a:endParaRPr>
           </a:p>
           <a:p>
-            <a:pPr lvl="1" marL="864000" indent="-321840">
+            <a:pPr lvl="1" marL="864000" indent="-321480">
               <a:lnSpc>
                 <a:spcPct val="100000"/>
               </a:lnSpc>
@@ -6669,7 +6670,7 @@
             </a:endParaRPr>
           </a:p>
           <a:p>
-            <a:pPr lvl="1" marL="864000" indent="-321840">
+            <a:pPr lvl="1" marL="864000" indent="-321480">
               <a:lnSpc>
                 <a:spcPct val="100000"/>
               </a:lnSpc>
@@ -6711,7 +6712,7 @@
             </a:endParaRPr>
           </a:p>
           <a:p>
-            <a:pPr marL="432000" indent="-321840">
+            <a:pPr marL="432000" indent="-321480">
               <a:lnSpc>
                 <a:spcPct val="100000"/>
               </a:lnSpc>
@@ -6753,7 +6754,7 @@
             </a:endParaRPr>
           </a:p>
           <a:p>
-            <a:pPr lvl="1" marL="864000" indent="-321840">
+            <a:pPr lvl="1" marL="864000" indent="-321480">
               <a:lnSpc>
                 <a:spcPct val="100000"/>
               </a:lnSpc>
@@ -6795,7 +6796,7 @@
             </a:endParaRPr>
           </a:p>
           <a:p>
-            <a:pPr lvl="1" marL="864000" indent="-321840">
+            <a:pPr lvl="1" marL="864000" indent="-321480">
               <a:lnSpc>
                 <a:spcPct val="100000"/>
               </a:lnSpc>
@@ -6837,7 +6838,7 @@
             </a:endParaRPr>
           </a:p>
           <a:p>
-            <a:pPr lvl="1" marL="864000" indent="-321840">
+            <a:pPr lvl="1" marL="864000" indent="-321480">
               <a:lnSpc>
                 <a:spcPct val="100000"/>
               </a:lnSpc>
@@ -6879,7 +6880,7 @@
             </a:endParaRPr>
           </a:p>
           <a:p>
-            <a:pPr lvl="1" marL="864000" indent="-321840">
+            <a:pPr lvl="1" marL="864000" indent="-321480">
               <a:lnSpc>
                 <a:spcPct val="100000"/>
               </a:lnSpc>
@@ -6984,7 +6985,7 @@
         <p:spPr>
           <a:xfrm>
             <a:off x="0" y="0"/>
-            <a:ext cx="10077840" cy="7557480"/>
+            <a:ext cx="10077480" cy="7557120"/>
           </a:xfrm>
           <a:prstGeom prst="rect">
             <a:avLst/>
@@ -7052,7 +7053,7 @@
         <p:spPr>
           <a:xfrm>
             <a:off x="503640" y="301320"/>
-            <a:ext cx="9069120" cy="1260000"/>
+            <a:ext cx="9068760" cy="1259640"/>
           </a:xfrm>
           <a:prstGeom prst="rect">
             <a:avLst/>
@@ -7114,7 +7115,7 @@
         <p:spPr>
           <a:xfrm>
             <a:off x="503640" y="1768680"/>
-            <a:ext cx="9069120" cy="4382280"/>
+            <a:ext cx="9068760" cy="4381920"/>
           </a:xfrm>
           <a:prstGeom prst="rect">
             <a:avLst/>
@@ -7135,7 +7136,7 @@
             <a:normAutofit/>
           </a:bodyPr>
           <a:p>
-            <a:pPr marL="432000" indent="-321840">
+            <a:pPr marL="432000" indent="-321480">
               <a:lnSpc>
                 <a:spcPct val="100000"/>
               </a:lnSpc>
@@ -7177,7 +7178,7 @@
             </a:endParaRPr>
           </a:p>
           <a:p>
-            <a:pPr marL="432000" indent="-321840">
+            <a:pPr marL="432000" indent="-321480">
               <a:lnSpc>
                 <a:spcPct val="100000"/>
               </a:lnSpc>
@@ -7233,7 +7234,7 @@
         <p:spPr>
           <a:xfrm>
             <a:off x="792000" y="3530160"/>
-            <a:ext cx="8206200" cy="3381840"/>
+            <a:ext cx="8205840" cy="3381480"/>
           </a:xfrm>
           <a:prstGeom prst="rect">
             <a:avLst/>
@@ -7301,7 +7302,7 @@
         <p:spPr>
           <a:xfrm>
             <a:off x="503640" y="301320"/>
-            <a:ext cx="9069120" cy="1260000"/>
+            <a:ext cx="9068760" cy="1259640"/>
           </a:xfrm>
           <a:prstGeom prst="rect">
             <a:avLst/>
@@ -7363,7 +7364,7 @@
         <p:spPr>
           <a:xfrm>
             <a:off x="503640" y="1768680"/>
-            <a:ext cx="9069120" cy="4382280"/>
+            <a:ext cx="9068760" cy="4381920"/>
           </a:xfrm>
           <a:prstGeom prst="rect">
             <a:avLst/>
@@ -7384,7 +7385,7 @@
             <a:normAutofit/>
           </a:bodyPr>
           <a:p>
-            <a:pPr marL="432000" indent="-321840">
+            <a:pPr marL="432000" indent="-321480">
               <a:lnSpc>
                 <a:spcPct val="100000"/>
               </a:lnSpc>
@@ -7426,7 +7427,7 @@
             </a:endParaRPr>
           </a:p>
           <a:p>
-            <a:pPr marL="432000" indent="-321840">
+            <a:pPr marL="432000" indent="-321480">
               <a:lnSpc>
                 <a:spcPct val="100000"/>
               </a:lnSpc>
@@ -7468,7 +7469,7 @@
             </a:endParaRPr>
           </a:p>
           <a:p>
-            <a:pPr marL="432000" indent="-321840">
+            <a:pPr marL="432000" indent="-321480">
               <a:lnSpc>
                 <a:spcPct val="100000"/>
               </a:lnSpc>
@@ -7510,7 +7511,7 @@
             </a:endParaRPr>
           </a:p>
           <a:p>
-            <a:pPr marL="432000" indent="-321840">
+            <a:pPr marL="432000" indent="-321480">
               <a:lnSpc>
                 <a:spcPct val="100000"/>
               </a:lnSpc>
@@ -7611,7 +7612,7 @@
         <p:spPr>
           <a:xfrm>
             <a:off x="503640" y="301320"/>
-            <a:ext cx="9069120" cy="1260000"/>
+            <a:ext cx="9068760" cy="1259640"/>
           </a:xfrm>
           <a:prstGeom prst="rect">
             <a:avLst/>
@@ -7722,7 +7723,7 @@
         <p:spPr>
           <a:xfrm>
             <a:off x="503640" y="301320"/>
-            <a:ext cx="9069120" cy="1260000"/>
+            <a:ext cx="9068760" cy="1259640"/>
           </a:xfrm>
           <a:prstGeom prst="rect">
             <a:avLst/>
@@ -7784,7 +7785,7 @@
         <p:spPr>
           <a:xfrm>
             <a:off x="503640" y="1768680"/>
-            <a:ext cx="9069120" cy="4382280"/>
+            <a:ext cx="9068760" cy="4381920"/>
           </a:xfrm>
           <a:prstGeom prst="rect">
             <a:avLst/>
@@ -7805,7 +7806,7 @@
             <a:normAutofit/>
           </a:bodyPr>
           <a:p>
-            <a:pPr marL="432000" indent="-321840">
+            <a:pPr marL="432000" indent="-321480">
               <a:lnSpc>
                 <a:spcPct val="100000"/>
               </a:lnSpc>
@@ -7847,7 +7848,7 @@
             </a:endParaRPr>
           </a:p>
           <a:p>
-            <a:pPr marL="432000" indent="-321840">
+            <a:pPr marL="432000" indent="-321480">
               <a:lnSpc>
                 <a:spcPct val="100000"/>
               </a:lnSpc>
@@ -7889,7 +7890,7 @@
             </a:endParaRPr>
           </a:p>
           <a:p>
-            <a:pPr lvl="1" marL="864000" indent="-321840">
+            <a:pPr lvl="1" marL="864000" indent="-321480">
               <a:lnSpc>
                 <a:spcPct val="100000"/>
               </a:lnSpc>
@@ -7931,7 +7932,7 @@
             </a:endParaRPr>
           </a:p>
           <a:p>
-            <a:pPr lvl="1" marL="864000" indent="-321840">
+            <a:pPr lvl="1" marL="864000" indent="-321480">
               <a:lnSpc>
                 <a:spcPct val="100000"/>
               </a:lnSpc>
@@ -7973,7 +7974,7 @@
             </a:endParaRPr>
           </a:p>
           <a:p>
-            <a:pPr lvl="1" marL="864000" indent="-321840">
+            <a:pPr lvl="1" marL="864000" indent="-321480">
               <a:lnSpc>
                 <a:spcPct val="100000"/>
               </a:lnSpc>
@@ -8015,7 +8016,7 @@
             </a:endParaRPr>
           </a:p>
           <a:p>
-            <a:pPr marL="432000" indent="-321840">
+            <a:pPr marL="432000" indent="-321480">
               <a:lnSpc>
                 <a:spcPct val="100000"/>
               </a:lnSpc>
@@ -8057,7 +8058,7 @@
             </a:endParaRPr>
           </a:p>
           <a:p>
-            <a:pPr marL="432000" indent="-321840">
+            <a:pPr marL="432000" indent="-321480">
               <a:lnSpc>
                 <a:spcPct val="100000"/>
               </a:lnSpc>
@@ -8158,7 +8159,7 @@
         <p:spPr>
           <a:xfrm>
             <a:off x="503640" y="301320"/>
-            <a:ext cx="9069120" cy="1260000"/>
+            <a:ext cx="9068760" cy="1259640"/>
           </a:xfrm>
           <a:prstGeom prst="rect">
             <a:avLst/>
@@ -8269,7 +8270,7 @@
         <p:spPr>
           <a:xfrm>
             <a:off x="503640" y="301320"/>
-            <a:ext cx="9069120" cy="1260000"/>
+            <a:ext cx="9068760" cy="1259640"/>
           </a:xfrm>
           <a:prstGeom prst="rect">
             <a:avLst/>
@@ -8306,292 +8307,9 @@
                 <a:latin typeface="Arial"/>
                 <a:ea typeface="DejaVu Sans"/>
               </a:rPr>
-              <a:t>Shared Code</a:t>
+              <a:t>Paketdiagramm</a:t>
             </a:r>
             <a:endParaRPr b="0" lang="de-DE" sz="4400" spc="-1" strike="noStrike">
-              <a:solidFill>
-                <a:srgbClr val="000000"/>
-              </a:solidFill>
-              <a:uFill>
-                <a:solidFill>
-                  <a:srgbClr val="ffffff"/>
-                </a:solidFill>
-              </a:uFill>
-              <a:latin typeface="Arial"/>
-            </a:endParaRPr>
-          </a:p>
-        </p:txBody>
-      </p:sp>
-      <p:sp>
-        <p:nvSpPr>
-          <p:cNvPr id="125" name="CustomShape 2"/>
-          <p:cNvSpPr/>
-          <p:nvPr/>
-        </p:nvSpPr>
-        <p:spPr>
-          <a:xfrm>
-            <a:off x="503640" y="1768680"/>
-            <a:ext cx="9069120" cy="4382280"/>
-          </a:xfrm>
-          <a:prstGeom prst="rect">
-            <a:avLst/>
-          </a:prstGeom>
-          <a:noFill/>
-          <a:ln>
-            <a:noFill/>
-          </a:ln>
-        </p:spPr>
-        <p:style>
-          <a:lnRef idx="0"/>
-          <a:fillRef idx="0"/>
-          <a:effectRef idx="0"/>
-          <a:fontRef idx="minor"/>
-        </p:style>
-        <p:txBody>
-          <a:bodyPr lIns="0" rIns="0" tIns="0" bIns="0">
-            <a:normAutofit/>
-          </a:bodyPr>
-          <a:p>
-            <a:pPr marL="432000" indent="-321840">
-              <a:lnSpc>
-                <a:spcPct val="100000"/>
-              </a:lnSpc>
-              <a:spcBef>
-                <a:spcPts val="1414"/>
-              </a:spcBef>
-              <a:buClr>
-                <a:srgbClr val="000000"/>
-              </a:buClr>
-              <a:buSzPct val="45000"/>
-              <a:buFont typeface="Wingdings" charset="2"/>
-              <a:buChar char=""/>
-            </a:pPr>
-            <a:r>
-              <a:rPr b="0" lang="de-DE" sz="3200" spc="-1" strike="noStrike">
-                <a:solidFill>
-                  <a:srgbClr val="000000"/>
-                </a:solidFill>
-                <a:uFill>
-                  <a:solidFill>
-                    <a:srgbClr val="ffffff"/>
-                  </a:solidFill>
-                </a:uFill>
-                <a:latin typeface="Arial"/>
-                <a:ea typeface="DejaVu Sans"/>
-              </a:rPr>
-              <a:t>View</a:t>
-            </a:r>
-            <a:endParaRPr b="0" lang="de-DE" sz="3200" spc="-1" strike="noStrike">
-              <a:solidFill>
-                <a:srgbClr val="000000"/>
-              </a:solidFill>
-              <a:uFill>
-                <a:solidFill>
-                  <a:srgbClr val="ffffff"/>
-                </a:solidFill>
-              </a:uFill>
-              <a:latin typeface="Arial"/>
-            </a:endParaRPr>
-          </a:p>
-          <a:p>
-            <a:pPr lvl="1" marL="864000" indent="-321840">
-              <a:lnSpc>
-                <a:spcPct val="100000"/>
-              </a:lnSpc>
-              <a:spcBef>
-                <a:spcPts val="1134"/>
-              </a:spcBef>
-              <a:buClr>
-                <a:srgbClr val="000000"/>
-              </a:buClr>
-              <a:buSzPct val="75000"/>
-              <a:buFont typeface="Symbol"/>
-              <a:buChar char=""/>
-            </a:pPr>
-            <a:r>
-              <a:rPr b="0" lang="de-DE" sz="2800" spc="-1" strike="noStrike">
-                <a:solidFill>
-                  <a:srgbClr val="000000"/>
-                </a:solidFill>
-                <a:uFill>
-                  <a:solidFill>
-                    <a:srgbClr val="ffffff"/>
-                  </a:solidFill>
-                </a:uFill>
-                <a:latin typeface="Arial"/>
-                <a:ea typeface="DejaVu Sans"/>
-              </a:rPr>
-              <a:t>Plattformübergreifend durch XAML</a:t>
-            </a:r>
-            <a:endParaRPr b="0" lang="de-DE" sz="2800" spc="-1" strike="noStrike">
-              <a:solidFill>
-                <a:srgbClr val="000000"/>
-              </a:solidFill>
-              <a:uFill>
-                <a:solidFill>
-                  <a:srgbClr val="ffffff"/>
-                </a:solidFill>
-              </a:uFill>
-              <a:latin typeface="Arial"/>
-            </a:endParaRPr>
-          </a:p>
-          <a:p>
-            <a:pPr marL="432000" indent="-321840">
-              <a:lnSpc>
-                <a:spcPct val="100000"/>
-              </a:lnSpc>
-              <a:spcBef>
-                <a:spcPts val="1414"/>
-              </a:spcBef>
-              <a:buClr>
-                <a:srgbClr val="000000"/>
-              </a:buClr>
-              <a:buSzPct val="45000"/>
-              <a:buFont typeface="Wingdings" charset="2"/>
-              <a:buChar char=""/>
-            </a:pPr>
-            <a:r>
-              <a:rPr b="0" lang="de-DE" sz="3200" spc="-1" strike="noStrike">
-                <a:solidFill>
-                  <a:srgbClr val="000000"/>
-                </a:solidFill>
-                <a:uFill>
-                  <a:solidFill>
-                    <a:srgbClr val="ffffff"/>
-                  </a:solidFill>
-                </a:uFill>
-                <a:latin typeface="Arial"/>
-                <a:ea typeface="DejaVu Sans"/>
-              </a:rPr>
-              <a:t>ViewModel</a:t>
-            </a:r>
-            <a:endParaRPr b="0" lang="de-DE" sz="3200" spc="-1" strike="noStrike">
-              <a:solidFill>
-                <a:srgbClr val="000000"/>
-              </a:solidFill>
-              <a:uFill>
-                <a:solidFill>
-                  <a:srgbClr val="ffffff"/>
-                </a:solidFill>
-              </a:uFill>
-              <a:latin typeface="Arial"/>
-            </a:endParaRPr>
-          </a:p>
-          <a:p>
-            <a:pPr marL="432000" indent="-321840">
-              <a:lnSpc>
-                <a:spcPct val="100000"/>
-              </a:lnSpc>
-              <a:spcBef>
-                <a:spcPts val="1414"/>
-              </a:spcBef>
-              <a:buClr>
-                <a:srgbClr val="000000"/>
-              </a:buClr>
-              <a:buSzPct val="45000"/>
-              <a:buFont typeface="Wingdings" charset="2"/>
-              <a:buChar char=""/>
-            </a:pPr>
-            <a:r>
-              <a:rPr b="0" lang="de-DE" sz="3200" spc="-1" strike="noStrike">
-                <a:solidFill>
-                  <a:srgbClr val="000000"/>
-                </a:solidFill>
-                <a:uFill>
-                  <a:solidFill>
-                    <a:srgbClr val="ffffff"/>
-                  </a:solidFill>
-                </a:uFill>
-                <a:latin typeface="Arial"/>
-                <a:ea typeface="DejaVu Sans"/>
-              </a:rPr>
-              <a:t>Model</a:t>
-            </a:r>
-            <a:endParaRPr b="0" lang="de-DE" sz="3200" spc="-1" strike="noStrike">
-              <a:solidFill>
-                <a:srgbClr val="000000"/>
-              </a:solidFill>
-              <a:uFill>
-                <a:solidFill>
-                  <a:srgbClr val="ffffff"/>
-                </a:solidFill>
-              </a:uFill>
-              <a:latin typeface="Arial"/>
-            </a:endParaRPr>
-          </a:p>
-          <a:p>
-            <a:pPr lvl="1" marL="864000" indent="-321840">
-              <a:lnSpc>
-                <a:spcPct val="100000"/>
-              </a:lnSpc>
-              <a:spcBef>
-                <a:spcPts val="1134"/>
-              </a:spcBef>
-              <a:buClr>
-                <a:srgbClr val="000000"/>
-              </a:buClr>
-              <a:buSzPct val="75000"/>
-              <a:buFont typeface="Symbol"/>
-              <a:buChar char=""/>
-            </a:pPr>
-            <a:r>
-              <a:rPr b="0" lang="de-DE" sz="2800" spc="-1" strike="noStrike">
-                <a:solidFill>
-                  <a:srgbClr val="000000"/>
-                </a:solidFill>
-                <a:uFill>
-                  <a:solidFill>
-                    <a:srgbClr val="ffffff"/>
-                  </a:solidFill>
-                </a:uFill>
-                <a:latin typeface="Arial"/>
-                <a:ea typeface="DejaVu Sans"/>
-              </a:rPr>
-              <a:t>SQLite, Bluetooth Libraries plattformübergreifend</a:t>
-            </a:r>
-            <a:endParaRPr b="0" lang="de-DE" sz="2800" spc="-1" strike="noStrike">
-              <a:solidFill>
-                <a:srgbClr val="000000"/>
-              </a:solidFill>
-              <a:uFill>
-                <a:solidFill>
-                  <a:srgbClr val="ffffff"/>
-                </a:solidFill>
-              </a:uFill>
-              <a:latin typeface="Arial"/>
-            </a:endParaRPr>
-          </a:p>
-          <a:p>
-            <a:pPr lvl="1" marL="864000" indent="-321840">
-              <a:lnSpc>
-                <a:spcPct val="100000"/>
-              </a:lnSpc>
-              <a:spcBef>
-                <a:spcPts val="1134"/>
-              </a:spcBef>
-              <a:buClr>
-                <a:srgbClr val="000000"/>
-              </a:buClr>
-              <a:buSzPct val="75000"/>
-              <a:buFont typeface="Symbol"/>
-              <a:buChar char=""/>
-            </a:pPr>
-            <a:r>
-              <a:rPr b="0" lang="de-DE" sz="2800" spc="-1" strike="noStrike">
-                <a:solidFill>
-                  <a:srgbClr val="000000"/>
-                </a:solidFill>
-                <a:uFill>
-                  <a:solidFill>
-                    <a:srgbClr val="ffffff"/>
-                  </a:solidFill>
-                </a:uFill>
-                <a:latin typeface="Arial"/>
-                <a:ea typeface="DejaVu Sans"/>
-              </a:rPr>
-              <a:t>Implementierung der FileHelper Schnittstelle plattformspezifisch</a:t>
-            </a:r>
-            <a:endParaRPr b="0" lang="de-DE" sz="2800" spc="-1" strike="noStrike">
               <a:solidFill>
                 <a:srgbClr val="000000"/>
               </a:solidFill>
@@ -8656,14 +8374,14 @@
       </p:grpSpPr>
       <p:sp>
         <p:nvSpPr>
-          <p:cNvPr id="126" name="CustomShape 1"/>
+          <p:cNvPr id="125" name="CustomShape 1"/>
           <p:cNvSpPr/>
           <p:nvPr/>
         </p:nvSpPr>
         <p:spPr>
           <a:xfrm>
             <a:off x="503640" y="301320"/>
-            <a:ext cx="9069120" cy="1260000"/>
+            <a:ext cx="9068760" cy="1259640"/>
           </a:xfrm>
           <a:prstGeom prst="rect">
             <a:avLst/>
@@ -8700,7 +8418,7 @@
                 <a:latin typeface="Arial"/>
                 <a:ea typeface="DejaVu Sans"/>
               </a:rPr>
-              <a:t>Arztanwendung</a:t>
+              <a:t>Shared Code</a:t>
             </a:r>
             <a:endParaRPr b="0" lang="de-DE" sz="4400" spc="-1" strike="noStrike">
               <a:solidFill>
@@ -8718,14 +8436,14 @@
       </p:sp>
       <p:sp>
         <p:nvSpPr>
-          <p:cNvPr id="127" name="CustomShape 2"/>
+          <p:cNvPr id="126" name="CustomShape 2"/>
           <p:cNvSpPr/>
           <p:nvPr/>
         </p:nvSpPr>
         <p:spPr>
           <a:xfrm>
             <a:off x="503640" y="1768680"/>
-            <a:ext cx="9069120" cy="4382280"/>
+            <a:ext cx="9068760" cy="4381920"/>
           </a:xfrm>
           <a:prstGeom prst="rect">
             <a:avLst/>
@@ -8746,7 +8464,133 @@
             <a:normAutofit/>
           </a:bodyPr>
           <a:p>
-            <a:pPr marL="432000" indent="-321840">
+            <a:pPr marL="432000" indent="-321480">
+              <a:lnSpc>
+                <a:spcPct val="100000"/>
+              </a:lnSpc>
+              <a:spcBef>
+                <a:spcPts val="1414"/>
+              </a:spcBef>
+              <a:buClr>
+                <a:srgbClr val="000000"/>
+              </a:buClr>
+              <a:buSzPct val="45000"/>
+              <a:buFont typeface="Wingdings" charset="2"/>
+              <a:buChar char=""/>
+            </a:pPr>
+            <a:r>
+              <a:rPr b="0" lang="de-DE" sz="3200" spc="-1" strike="noStrike">
+                <a:solidFill>
+                  <a:srgbClr val="000000"/>
+                </a:solidFill>
+                <a:uFill>
+                  <a:solidFill>
+                    <a:srgbClr val="ffffff"/>
+                  </a:solidFill>
+                </a:uFill>
+                <a:latin typeface="Arial"/>
+                <a:ea typeface="DejaVu Sans"/>
+              </a:rPr>
+              <a:t>View</a:t>
+            </a:r>
+            <a:endParaRPr b="0" lang="de-DE" sz="3200" spc="-1" strike="noStrike">
+              <a:solidFill>
+                <a:srgbClr val="000000"/>
+              </a:solidFill>
+              <a:uFill>
+                <a:solidFill>
+                  <a:srgbClr val="ffffff"/>
+                </a:solidFill>
+              </a:uFill>
+              <a:latin typeface="Arial"/>
+            </a:endParaRPr>
+          </a:p>
+          <a:p>
+            <a:pPr lvl="1" marL="864000" indent="-321480">
+              <a:lnSpc>
+                <a:spcPct val="100000"/>
+              </a:lnSpc>
+              <a:spcBef>
+                <a:spcPts val="1134"/>
+              </a:spcBef>
+              <a:buClr>
+                <a:srgbClr val="000000"/>
+              </a:buClr>
+              <a:buSzPct val="75000"/>
+              <a:buFont typeface="Symbol"/>
+              <a:buChar char=""/>
+            </a:pPr>
+            <a:r>
+              <a:rPr b="0" lang="de-DE" sz="2800" spc="-1" strike="noStrike">
+                <a:solidFill>
+                  <a:srgbClr val="000000"/>
+                </a:solidFill>
+                <a:uFill>
+                  <a:solidFill>
+                    <a:srgbClr val="ffffff"/>
+                  </a:solidFill>
+                </a:uFill>
+                <a:latin typeface="Arial"/>
+                <a:ea typeface="DejaVu Sans"/>
+              </a:rPr>
+              <a:t>Plattformübergreifend durch XAML</a:t>
+            </a:r>
+            <a:endParaRPr b="0" lang="de-DE" sz="2800" spc="-1" strike="noStrike">
+              <a:solidFill>
+                <a:srgbClr val="000000"/>
+              </a:solidFill>
+              <a:uFill>
+                <a:solidFill>
+                  <a:srgbClr val="ffffff"/>
+                </a:solidFill>
+              </a:uFill>
+              <a:latin typeface="Arial"/>
+            </a:endParaRPr>
+          </a:p>
+          <a:p>
+            <a:pPr marL="432000" indent="-321480">
+              <a:lnSpc>
+                <a:spcPct val="100000"/>
+              </a:lnSpc>
+              <a:spcBef>
+                <a:spcPts val="1414"/>
+              </a:spcBef>
+              <a:buClr>
+                <a:srgbClr val="000000"/>
+              </a:buClr>
+              <a:buSzPct val="45000"/>
+              <a:buFont typeface="Wingdings" charset="2"/>
+              <a:buChar char=""/>
+            </a:pPr>
+            <a:r>
+              <a:rPr b="0" lang="de-DE" sz="3200" spc="-1" strike="noStrike">
+                <a:solidFill>
+                  <a:srgbClr val="000000"/>
+                </a:solidFill>
+                <a:uFill>
+                  <a:solidFill>
+                    <a:srgbClr val="ffffff"/>
+                  </a:solidFill>
+                </a:uFill>
+                <a:latin typeface="Arial"/>
+                <a:ea typeface="DejaVu Sans"/>
+              </a:rPr>
+              <a:t>ViewModel</a:t>
+            </a:r>
+            <a:endParaRPr b="0" lang="de-DE" sz="3200" spc="-1" strike="noStrike">
+              <a:solidFill>
+                <a:srgbClr val="000000"/>
+              </a:solidFill>
+              <a:uFill>
+                <a:solidFill>
+                  <a:srgbClr val="ffffff"/>
+                </a:solidFill>
+              </a:uFill>
+              <a:latin typeface="Arial"/>
+            </a:endParaRPr>
+          </a:p>
+          <a:p>
+            <a:pPr marL="432000" indent="-321480">
               <a:lnSpc>
                 <a:spcPct val="100000"/>
               </a:lnSpc>
@@ -8788,7 +8632,7 @@
             </a:endParaRPr>
           </a:p>
           <a:p>
-            <a:pPr lvl="1" marL="864000" indent="-321840">
+            <a:pPr lvl="1" marL="864000" indent="-321480">
               <a:lnSpc>
                 <a:spcPct val="100000"/>
               </a:lnSpc>
@@ -8815,7 +8659,7 @@
                 <a:latin typeface="Arial"/>
                 <a:ea typeface="DejaVu Sans"/>
               </a:rPr>
-              <a:t>Soll nur Dateien übertragen</a:t>
+              <a:t>SQLite, Bluetooth Libraries plattformübergreifend</a:t>
             </a:r>
             <a:endParaRPr b="0" lang="de-DE" sz="2800" spc="-1" strike="noStrike">
               <a:solidFill>
@@ -8830,7 +8674,7 @@
             </a:endParaRPr>
           </a:p>
           <a:p>
-            <a:pPr lvl="1" marL="864000" indent="-321840">
+            <a:pPr lvl="1" marL="864000" indent="-321480">
               <a:lnSpc>
                 <a:spcPct val="100000"/>
               </a:lnSpc>
@@ -8857,91 +8701,7 @@
                 <a:latin typeface="Arial"/>
                 <a:ea typeface="DejaVu Sans"/>
               </a:rPr>
-              <a:t>Reduziert auf TransmissionModel</a:t>
-            </a:r>
-            <a:endParaRPr b="0" lang="de-DE" sz="2800" spc="-1" strike="noStrike">
-              <a:solidFill>
-                <a:srgbClr val="000000"/>
-              </a:solidFill>
-              <a:uFill>
-                <a:solidFill>
-                  <a:srgbClr val="ffffff"/>
-                </a:solidFill>
-              </a:uFill>
-              <a:latin typeface="Arial"/>
-            </a:endParaRPr>
-          </a:p>
-          <a:p>
-            <a:pPr marL="432000" indent="-321840">
-              <a:lnSpc>
-                <a:spcPct val="100000"/>
-              </a:lnSpc>
-              <a:spcBef>
-                <a:spcPts val="1414"/>
-              </a:spcBef>
-              <a:buClr>
-                <a:srgbClr val="000000"/>
-              </a:buClr>
-              <a:buSzPct val="45000"/>
-              <a:buFont typeface="Wingdings" charset="2"/>
-              <a:buChar char=""/>
-            </a:pPr>
-            <a:r>
-              <a:rPr b="0" lang="de-DE" sz="3200" spc="-1" strike="noStrike">
-                <a:solidFill>
-                  <a:srgbClr val="000000"/>
-                </a:solidFill>
-                <a:uFill>
-                  <a:solidFill>
-                    <a:srgbClr val="ffffff"/>
-                  </a:solidFill>
-                </a:uFill>
-                <a:latin typeface="Arial"/>
-                <a:ea typeface="DejaVu Sans"/>
-              </a:rPr>
-              <a:t>View, ViewModel</a:t>
-            </a:r>
-            <a:endParaRPr b="0" lang="de-DE" sz="3200" spc="-1" strike="noStrike">
-              <a:solidFill>
-                <a:srgbClr val="000000"/>
-              </a:solidFill>
-              <a:uFill>
-                <a:solidFill>
-                  <a:srgbClr val="ffffff"/>
-                </a:solidFill>
-              </a:uFill>
-              <a:latin typeface="Arial"/>
-            </a:endParaRPr>
-          </a:p>
-          <a:p>
-            <a:pPr lvl="1" marL="864000" indent="-321840">
-              <a:lnSpc>
-                <a:spcPct val="100000"/>
-              </a:lnSpc>
-              <a:spcBef>
-                <a:spcPts val="1134"/>
-              </a:spcBef>
-              <a:buClr>
-                <a:srgbClr val="000000"/>
-              </a:buClr>
-              <a:buSzPct val="75000"/>
-              <a:buFont typeface="Symbol"/>
-              <a:buChar char=""/>
-            </a:pPr>
-            <a:r>
-              <a:rPr b="0" lang="de-DE" sz="2800" spc="-1" strike="noStrike">
-                <a:solidFill>
-                  <a:srgbClr val="000000"/>
-                </a:solidFill>
-                <a:uFill>
-                  <a:solidFill>
-                    <a:srgbClr val="ffffff"/>
-                  </a:solidFill>
-                </a:uFill>
-                <a:latin typeface="Arial"/>
-                <a:ea typeface="DejaVu Sans"/>
-              </a:rPr>
-              <a:t>Entsprechend reduziert</a:t>
+              <a:t>Implementierung der FileHelper Schnittstelle plattformspezifisch</a:t>
             </a:r>
             <a:endParaRPr b="0" lang="de-DE" sz="2800" spc="-1" strike="noStrike">
               <a:solidFill>
@@ -9008,14 +8768,366 @@
       </p:grpSpPr>
       <p:sp>
         <p:nvSpPr>
-          <p:cNvPr id="128" name="CustomShape 1"/>
+          <p:cNvPr id="127" name="CustomShape 1"/>
           <p:cNvSpPr/>
           <p:nvPr/>
         </p:nvSpPr>
         <p:spPr>
           <a:xfrm>
             <a:off x="503640" y="301320"/>
-            <a:ext cx="9069120" cy="1260000"/>
+            <a:ext cx="9068760" cy="1259640"/>
+          </a:xfrm>
+          <a:prstGeom prst="rect">
+            <a:avLst/>
+          </a:prstGeom>
+          <a:noFill/>
+          <a:ln>
+            <a:noFill/>
+          </a:ln>
+        </p:spPr>
+        <p:style>
+          <a:lnRef idx="0"/>
+          <a:fillRef idx="0"/>
+          <a:effectRef idx="0"/>
+          <a:fontRef idx="minor"/>
+        </p:style>
+        <p:txBody>
+          <a:bodyPr lIns="0" rIns="0" tIns="0" bIns="0" anchor="ctr"/>
+          <a:p>
+            <a:pPr algn="ctr">
+              <a:lnSpc>
+                <a:spcPct val="100000"/>
+              </a:lnSpc>
+            </a:pPr>
+            <a:r>
+              <a:rPr b="0" lang="de-DE" sz="4400" spc="-1" strike="noStrike">
+                <a:solidFill>
+                  <a:srgbClr val="000000"/>
+                </a:solidFill>
+                <a:uFill>
+                  <a:solidFill>
+                    <a:srgbClr val="ffffff"/>
+                  </a:solidFill>
+                </a:uFill>
+                <a:latin typeface="Arial"/>
+                <a:ea typeface="DejaVu Sans"/>
+              </a:rPr>
+              <a:t>Arztanwendung</a:t>
+            </a:r>
+            <a:endParaRPr b="0" lang="de-DE" sz="4400" spc="-1" strike="noStrike">
+              <a:solidFill>
+                <a:srgbClr val="000000"/>
+              </a:solidFill>
+              <a:uFill>
+                <a:solidFill>
+                  <a:srgbClr val="ffffff"/>
+                </a:solidFill>
+              </a:uFill>
+              <a:latin typeface="Arial"/>
+            </a:endParaRPr>
+          </a:p>
+        </p:txBody>
+      </p:sp>
+      <p:sp>
+        <p:nvSpPr>
+          <p:cNvPr id="128" name="CustomShape 2"/>
+          <p:cNvSpPr/>
+          <p:nvPr/>
+        </p:nvSpPr>
+        <p:spPr>
+          <a:xfrm>
+            <a:off x="503640" y="1768680"/>
+            <a:ext cx="9068760" cy="4381920"/>
+          </a:xfrm>
+          <a:prstGeom prst="rect">
+            <a:avLst/>
+          </a:prstGeom>
+          <a:noFill/>
+          <a:ln>
+            <a:noFill/>
+          </a:ln>
+        </p:spPr>
+        <p:style>
+          <a:lnRef idx="0"/>
+          <a:fillRef idx="0"/>
+          <a:effectRef idx="0"/>
+          <a:fontRef idx="minor"/>
+        </p:style>
+        <p:txBody>
+          <a:bodyPr lIns="0" rIns="0" tIns="0" bIns="0">
+            <a:normAutofit/>
+          </a:bodyPr>
+          <a:p>
+            <a:pPr marL="432000" indent="-321480">
+              <a:lnSpc>
+                <a:spcPct val="100000"/>
+              </a:lnSpc>
+              <a:spcBef>
+                <a:spcPts val="1414"/>
+              </a:spcBef>
+              <a:buClr>
+                <a:srgbClr val="000000"/>
+              </a:buClr>
+              <a:buSzPct val="45000"/>
+              <a:buFont typeface="Wingdings" charset="2"/>
+              <a:buChar char=""/>
+            </a:pPr>
+            <a:r>
+              <a:rPr b="0" lang="de-DE" sz="3200" spc="-1" strike="noStrike">
+                <a:solidFill>
+                  <a:srgbClr val="000000"/>
+                </a:solidFill>
+                <a:uFill>
+                  <a:solidFill>
+                    <a:srgbClr val="ffffff"/>
+                  </a:solidFill>
+                </a:uFill>
+                <a:latin typeface="Arial"/>
+                <a:ea typeface="DejaVu Sans"/>
+              </a:rPr>
+              <a:t>Model</a:t>
+            </a:r>
+            <a:endParaRPr b="0" lang="de-DE" sz="3200" spc="-1" strike="noStrike">
+              <a:solidFill>
+                <a:srgbClr val="000000"/>
+              </a:solidFill>
+              <a:uFill>
+                <a:solidFill>
+                  <a:srgbClr val="ffffff"/>
+                </a:solidFill>
+              </a:uFill>
+              <a:latin typeface="Arial"/>
+            </a:endParaRPr>
+          </a:p>
+          <a:p>
+            <a:pPr lvl="1" marL="864000" indent="-321480">
+              <a:lnSpc>
+                <a:spcPct val="100000"/>
+              </a:lnSpc>
+              <a:spcBef>
+                <a:spcPts val="1134"/>
+              </a:spcBef>
+              <a:buClr>
+                <a:srgbClr val="000000"/>
+              </a:buClr>
+              <a:buSzPct val="75000"/>
+              <a:buFont typeface="Symbol"/>
+              <a:buChar char=""/>
+            </a:pPr>
+            <a:r>
+              <a:rPr b="0" lang="de-DE" sz="2800" spc="-1" strike="noStrike">
+                <a:solidFill>
+                  <a:srgbClr val="000000"/>
+                </a:solidFill>
+                <a:uFill>
+                  <a:solidFill>
+                    <a:srgbClr val="ffffff"/>
+                  </a:solidFill>
+                </a:uFill>
+                <a:latin typeface="Arial"/>
+                <a:ea typeface="DejaVu Sans"/>
+              </a:rPr>
+              <a:t>Soll nur Dateien übertragen</a:t>
+            </a:r>
+            <a:endParaRPr b="0" lang="de-DE" sz="2800" spc="-1" strike="noStrike">
+              <a:solidFill>
+                <a:srgbClr val="000000"/>
+              </a:solidFill>
+              <a:uFill>
+                <a:solidFill>
+                  <a:srgbClr val="ffffff"/>
+                </a:solidFill>
+              </a:uFill>
+              <a:latin typeface="Arial"/>
+            </a:endParaRPr>
+          </a:p>
+          <a:p>
+            <a:pPr lvl="1" marL="864000" indent="-321480">
+              <a:lnSpc>
+                <a:spcPct val="100000"/>
+              </a:lnSpc>
+              <a:spcBef>
+                <a:spcPts val="1134"/>
+              </a:spcBef>
+              <a:buClr>
+                <a:srgbClr val="000000"/>
+              </a:buClr>
+              <a:buSzPct val="75000"/>
+              <a:buFont typeface="Symbol"/>
+              <a:buChar char=""/>
+            </a:pPr>
+            <a:r>
+              <a:rPr b="0" lang="de-DE" sz="2800" spc="-1" strike="noStrike">
+                <a:solidFill>
+                  <a:srgbClr val="000000"/>
+                </a:solidFill>
+                <a:uFill>
+                  <a:solidFill>
+                    <a:srgbClr val="ffffff"/>
+                  </a:solidFill>
+                </a:uFill>
+                <a:latin typeface="Arial"/>
+                <a:ea typeface="DejaVu Sans"/>
+              </a:rPr>
+              <a:t>Reduziert auf TransmissionModel</a:t>
+            </a:r>
+            <a:endParaRPr b="0" lang="de-DE" sz="2800" spc="-1" strike="noStrike">
+              <a:solidFill>
+                <a:srgbClr val="000000"/>
+              </a:solidFill>
+              <a:uFill>
+                <a:solidFill>
+                  <a:srgbClr val="ffffff"/>
+                </a:solidFill>
+              </a:uFill>
+              <a:latin typeface="Arial"/>
+            </a:endParaRPr>
+          </a:p>
+          <a:p>
+            <a:pPr marL="432000" indent="-321480">
+              <a:lnSpc>
+                <a:spcPct val="100000"/>
+              </a:lnSpc>
+              <a:spcBef>
+                <a:spcPts val="1414"/>
+              </a:spcBef>
+              <a:buClr>
+                <a:srgbClr val="000000"/>
+              </a:buClr>
+              <a:buSzPct val="45000"/>
+              <a:buFont typeface="Wingdings" charset="2"/>
+              <a:buChar char=""/>
+            </a:pPr>
+            <a:r>
+              <a:rPr b="0" lang="de-DE" sz="3200" spc="-1" strike="noStrike">
+                <a:solidFill>
+                  <a:srgbClr val="000000"/>
+                </a:solidFill>
+                <a:uFill>
+                  <a:solidFill>
+                    <a:srgbClr val="ffffff"/>
+                  </a:solidFill>
+                </a:uFill>
+                <a:latin typeface="Arial"/>
+                <a:ea typeface="DejaVu Sans"/>
+              </a:rPr>
+              <a:t>View, ViewModel</a:t>
+            </a:r>
+            <a:endParaRPr b="0" lang="de-DE" sz="3200" spc="-1" strike="noStrike">
+              <a:solidFill>
+                <a:srgbClr val="000000"/>
+              </a:solidFill>
+              <a:uFill>
+                <a:solidFill>
+                  <a:srgbClr val="ffffff"/>
+                </a:solidFill>
+              </a:uFill>
+              <a:latin typeface="Arial"/>
+            </a:endParaRPr>
+          </a:p>
+          <a:p>
+            <a:pPr lvl="1" marL="864000" indent="-321480">
+              <a:lnSpc>
+                <a:spcPct val="100000"/>
+              </a:lnSpc>
+              <a:spcBef>
+                <a:spcPts val="1134"/>
+              </a:spcBef>
+              <a:buClr>
+                <a:srgbClr val="000000"/>
+              </a:buClr>
+              <a:buSzPct val="75000"/>
+              <a:buFont typeface="Symbol"/>
+              <a:buChar char=""/>
+            </a:pPr>
+            <a:r>
+              <a:rPr b="0" lang="de-DE" sz="2800" spc="-1" strike="noStrike">
+                <a:solidFill>
+                  <a:srgbClr val="000000"/>
+                </a:solidFill>
+                <a:uFill>
+                  <a:solidFill>
+                    <a:srgbClr val="ffffff"/>
+                  </a:solidFill>
+                </a:uFill>
+                <a:latin typeface="Arial"/>
+                <a:ea typeface="DejaVu Sans"/>
+              </a:rPr>
+              <a:t>Entsprechend reduziert</a:t>
+            </a:r>
+            <a:endParaRPr b="0" lang="de-DE" sz="2800" spc="-1" strike="noStrike">
+              <a:solidFill>
+                <a:srgbClr val="000000"/>
+              </a:solidFill>
+              <a:uFill>
+                <a:solidFill>
+                  <a:srgbClr val="ffffff"/>
+                </a:solidFill>
+              </a:uFill>
+              <a:latin typeface="Arial"/>
+            </a:endParaRPr>
+          </a:p>
+        </p:txBody>
+      </p:sp>
+    </p:spTree>
+  </p:cSld>
+  <p:timing>
+    <p:tnLst>
+      <p:par>
+        <p:cTn id="55" dur="indefinite" restart="never" nodeType="tmRoot">
+          <p:childTnLst>
+            <p:seq>
+              <p:cTn id="56" nodeType="mainSeq"/>
+              <p:prevCondLst>
+                <p:cond delay="0" evt="onPrev">
+                  <p:tgtEl>
+                    <p:sldTgt/>
+                  </p:tgtEl>
+                </p:cond>
+              </p:prevCondLst>
+              <p:nextCondLst>
+                <p:cond delay="0" evt="onNext">
+                  <p:tgtEl>
+                    <p:sldTgt/>
+                  </p:tgtEl>
+                </p:cond>
+              </p:nextCondLst>
+            </p:seq>
+          </p:childTnLst>
+        </p:cTn>
+      </p:par>
+    </p:tnLst>
+  </p:timing>
+</p:sld>
+</file>
+
+<file path=ppt/slides/slide29.xml><?xml version="1.0" encoding="utf-8"?>
+<p:sld xmlns:a="http://schemas.openxmlformats.org/drawingml/2006/main" xmlns:p="http://schemas.openxmlformats.org/presentationml/2006/main" xmlns:r="http://schemas.openxmlformats.org/officeDocument/2006/relationships" xmlns:p14="http://schemas.microsoft.com/office/powerpoint/2010/main" xmlns:p15="http://schemas.microsoft.com/office/powerpoint/2012/main" xmlns:mc="http://schemas.openxmlformats.org/markup-compatibility/2006">
+  <p:cSld>
+    <p:spTree>
+      <p:nvGrpSpPr>
+        <p:cNvPr id="1" name=""/>
+        <p:cNvGrpSpPr/>
+        <p:nvPr/>
+      </p:nvGrpSpPr>
+      <p:grpSpPr>
+        <a:xfrm>
+          <a:off x="0" y="0"/>
+          <a:ext cx="0" cy="0"/>
+          <a:chOff x="0" y="0"/>
+          <a:chExt cx="0" cy="0"/>
+        </a:xfrm>
+      </p:grpSpPr>
+      <p:sp>
+        <p:nvSpPr>
+          <p:cNvPr id="129" name="CustomShape 1"/>
+          <p:cNvSpPr/>
+          <p:nvPr/>
+        </p:nvSpPr>
+        <p:spPr>
+          <a:xfrm>
+            <a:off x="503640" y="301320"/>
+            <a:ext cx="9068760" cy="1259640"/>
           </a:xfrm>
           <a:prstGeom prst="rect">
             <a:avLst/>
@@ -9073,10 +9185,10 @@
   <p:timing>
     <p:tnLst>
       <p:par>
-        <p:cTn id="55" dur="indefinite" restart="never" nodeType="tmRoot">
+        <p:cTn id="57" dur="indefinite" restart="never" nodeType="tmRoot">
           <p:childTnLst>
             <p:seq>
-              <p:cTn id="56" nodeType="mainSeq"/>
+              <p:cTn id="58" nodeType="mainSeq"/>
               <p:prevCondLst>
                 <p:cond delay="0" evt="onPrev">
                   <p:tgtEl>
@@ -9126,7 +9238,7 @@
         <p:spPr>
           <a:xfrm>
             <a:off x="503640" y="301320"/>
-            <a:ext cx="9069120" cy="1260000"/>
+            <a:ext cx="9068760" cy="1259640"/>
           </a:xfrm>
           <a:prstGeom prst="rect">
             <a:avLst/>
@@ -9188,7 +9300,7 @@
         <p:spPr>
           <a:xfrm>
             <a:off x="503640" y="1768680"/>
-            <a:ext cx="9069120" cy="4382280"/>
+            <a:ext cx="9068760" cy="4381920"/>
           </a:xfrm>
           <a:prstGeom prst="rect">
             <a:avLst/>
@@ -9209,7 +9321,7 @@
             <a:normAutofit/>
           </a:bodyPr>
           <a:p>
-            <a:pPr marL="432000" indent="-321840">
+            <a:pPr marL="432000" indent="-321480">
               <a:lnSpc>
                 <a:spcPct val="100000"/>
               </a:lnSpc>
@@ -9251,7 +9363,7 @@
             </a:endParaRPr>
           </a:p>
           <a:p>
-            <a:pPr marL="432000" indent="-321840">
+            <a:pPr marL="432000" indent="-321480">
               <a:lnSpc>
                 <a:spcPct val="100000"/>
               </a:lnSpc>
@@ -9293,7 +9405,7 @@
             </a:endParaRPr>
           </a:p>
           <a:p>
-            <a:pPr lvl="1" marL="864000" indent="-321840">
+            <a:pPr lvl="1" marL="864000" indent="-321480">
               <a:lnSpc>
                 <a:spcPct val="100000"/>
               </a:lnSpc>
@@ -9335,7 +9447,7 @@
             </a:endParaRPr>
           </a:p>
           <a:p>
-            <a:pPr lvl="1" marL="864000" indent="-321840">
+            <a:pPr lvl="1" marL="864000" indent="-321480">
               <a:lnSpc>
                 <a:spcPct val="100000"/>
               </a:lnSpc>
@@ -9377,7 +9489,7 @@
             </a:endParaRPr>
           </a:p>
           <a:p>
-            <a:pPr marL="432000" indent="-321840">
+            <a:pPr marL="432000" indent="-321480">
               <a:lnSpc>
                 <a:spcPct val="100000"/>
               </a:lnSpc>
@@ -9478,7 +9590,7 @@
         <p:spPr>
           <a:xfrm>
             <a:off x="503640" y="301320"/>
-            <a:ext cx="9069120" cy="1260000"/>
+            <a:ext cx="9068760" cy="1259640"/>
           </a:xfrm>
           <a:prstGeom prst="rect">
             <a:avLst/>
@@ -9544,7 +9656,7 @@
         <p:spPr>
           <a:xfrm>
             <a:off x="0" y="1503360"/>
-            <a:ext cx="10077480" cy="5190480"/>
+            <a:ext cx="10077120" cy="5190120"/>
           </a:xfrm>
           <a:prstGeom prst="rect">
             <a:avLst/>
@@ -9612,7 +9724,7 @@
         <p:spPr>
           <a:xfrm>
             <a:off x="503640" y="301320"/>
-            <a:ext cx="9069120" cy="1260000"/>
+            <a:ext cx="9068760" cy="1259640"/>
           </a:xfrm>
           <a:prstGeom prst="rect">
             <a:avLst/>
@@ -9723,7 +9835,7 @@
         <p:spPr>
           <a:xfrm>
             <a:off x="503640" y="301320"/>
-            <a:ext cx="9069120" cy="1260000"/>
+            <a:ext cx="9068760" cy="1259640"/>
           </a:xfrm>
           <a:prstGeom prst="rect">
             <a:avLst/>
@@ -9789,7 +9901,7 @@
         <p:spPr>
           <a:xfrm>
             <a:off x="1397160" y="1563480"/>
-            <a:ext cx="7168680" cy="4682880"/>
+            <a:ext cx="7168320" cy="4682520"/>
           </a:xfrm>
           <a:prstGeom prst="rect">
             <a:avLst/>
@@ -9857,7 +9969,7 @@
         <p:spPr>
           <a:xfrm>
             <a:off x="503640" y="301320"/>
-            <a:ext cx="9069120" cy="1260000"/>
+            <a:ext cx="9068760" cy="1259640"/>
           </a:xfrm>
           <a:prstGeom prst="rect">
             <a:avLst/>
@@ -9923,7 +10035,7 @@
         <p:spPr>
           <a:xfrm>
             <a:off x="216000" y="1346760"/>
-            <a:ext cx="9653040" cy="5419080"/>
+            <a:ext cx="9652680" cy="5418720"/>
           </a:xfrm>
           <a:prstGeom prst="rect">
             <a:avLst/>
@@ -9991,7 +10103,7 @@
         <p:spPr>
           <a:xfrm>
             <a:off x="503640" y="301320"/>
-            <a:ext cx="9069120" cy="1260000"/>
+            <a:ext cx="9068760" cy="1259640"/>
           </a:xfrm>
           <a:prstGeom prst="rect">
             <a:avLst/>
@@ -10053,7 +10165,7 @@
         <p:spPr>
           <a:xfrm>
             <a:off x="503640" y="1768680"/>
-            <a:ext cx="9069120" cy="4382280"/>
+            <a:ext cx="9068760" cy="4381920"/>
           </a:xfrm>
           <a:prstGeom prst="rect">
             <a:avLst/>
@@ -10074,7 +10186,7 @@
             <a:normAutofit/>
           </a:bodyPr>
           <a:p>
-            <a:pPr marL="432000" indent="-321840">
+            <a:pPr marL="432000" indent="-321480">
               <a:lnSpc>
                 <a:spcPct val="100000"/>
               </a:lnSpc>
@@ -10116,7 +10228,7 @@
             </a:endParaRPr>
           </a:p>
           <a:p>
-            <a:pPr marL="432000" indent="-321840">
+            <a:pPr marL="432000" indent="-321480">
               <a:lnSpc>
                 <a:spcPct val="100000"/>
               </a:lnSpc>
@@ -10158,7 +10270,7 @@
             </a:endParaRPr>
           </a:p>
           <a:p>
-            <a:pPr marL="432000" indent="-321840">
+            <a:pPr marL="432000" indent="-321480">
               <a:lnSpc>
                 <a:spcPct val="100000"/>
               </a:lnSpc>
@@ -10259,7 +10371,7 @@
         <p:spPr>
           <a:xfrm>
             <a:off x="503640" y="301320"/>
-            <a:ext cx="9069120" cy="1260000"/>
+            <a:ext cx="9068760" cy="1259640"/>
           </a:xfrm>
           <a:prstGeom prst="rect">
             <a:avLst/>
@@ -10321,7 +10433,7 @@
         <p:spPr>
           <a:xfrm>
             <a:off x="503640" y="1768680"/>
-            <a:ext cx="9069120" cy="4382280"/>
+            <a:ext cx="9068760" cy="4381920"/>
           </a:xfrm>
           <a:prstGeom prst="rect">
             <a:avLst/>
@@ -10342,7 +10454,7 @@
             <a:normAutofit/>
           </a:bodyPr>
           <a:p>
-            <a:pPr marL="432000" indent="-321840">
+            <a:pPr marL="432000" indent="-321480">
               <a:lnSpc>
                 <a:spcPct val="100000"/>
               </a:lnSpc>
@@ -10398,7 +10510,7 @@
         <p:spPr>
           <a:xfrm>
             <a:off x="72360" y="2520000"/>
-            <a:ext cx="10005480" cy="3925800"/>
+            <a:ext cx="10005120" cy="3925440"/>
           </a:xfrm>
           <a:prstGeom prst="rect">
             <a:avLst/>
